--- a/Airflow_Tutorial_1.pptx
+++ b/Airflow_Tutorial_1.pptx
@@ -107,6 +107,11 @@
       </a:defRPr>
     </a:lvl9pPr>
   </p:defaultTextStyle>
+  <p:extLst>
+    <p:ext uri="{EFAFB233-063F-42B5-8137-9DF3F51BA10A}">
+      <p15:sldGuideLst xmlns:p15="http://schemas.microsoft.com/office/powerpoint/2012/main"/>
+    </p:ext>
+  </p:extLst>
 </p:presentation>
 </file>
 
@@ -12394,7 +12399,7 @@
         </p:spPr>
         <p:txBody>
           <a:bodyPr>
-            <a:normAutofit fontScale="90000"/>
+            <a:normAutofit/>
           </a:bodyPr>
           <a:lstStyle/>
           <a:p>
@@ -12404,10 +12409,10 @@
               <a:t>Apache AIRFLOW TUTORIAL WITH PYTHON</a:t>
             </a:r>
             <a:br>
-              <a:rPr lang="en-US" sz="3700" dirty="0"/>
+              <a:rPr lang="en-US" sz="3700"/>
             </a:br>
             <a:r>
-              <a:rPr lang="en-US" sz="4900" dirty="0"/>
+              <a:rPr lang="en-US" sz="3700"/>
               <a:t>Introduction to apache airflow</a:t>
             </a:r>
             <a:endParaRPr lang="en-US" sz="3700" dirty="0"/>
@@ -12432,8 +12437,8 @@
         </p:nvSpPr>
         <p:spPr>
           <a:xfrm>
-            <a:off x="1911275" y="5741263"/>
-            <a:ext cx="8369450" cy="461477"/>
+            <a:off x="1911275" y="5722411"/>
+            <a:ext cx="8369450" cy="480330"/>
           </a:xfrm>
         </p:spPr>
         <p:txBody>
@@ -12452,10 +12457,119 @@
       </p:sp>
       <p:sp>
         <p:nvSpPr>
-          <p:cNvPr id="14" name="Round Diagonal Corner Rectangle 6">
+          <p:cNvPr id="19" name="Round Single Corner Rectangle 4">
             <a:extLst>
               <a:ext uri="{FF2B5EF4-FFF2-40B4-BE49-F238E27FC236}">
-                <a16:creationId xmlns:a16="http://schemas.microsoft.com/office/drawing/2014/main" id="{9CE97880-B96A-4BF9-BFFB-34DAA44F8805}"/>
+                <a16:creationId xmlns:a16="http://schemas.microsoft.com/office/drawing/2014/main" id="{2A4362C1-4CBA-464D-98B4-208037B13219}"/>
+              </a:ext>
+              <a:ext uri="{C183D7F6-B498-43B3-948B-1728B52AA6E4}">
+                <adec:decorative xmlns:adec="http://schemas.microsoft.com/office/drawing/2017/decorative" val="1"/>
+              </a:ext>
+            </a:extLst>
+          </p:cNvPr>
+          <p:cNvSpPr>
+            <a:spLocks noGrp="1" noRot="1" noChangeAspect="1" noMove="1" noResize="1" noEditPoints="1" noAdjustHandles="1" noChangeArrowheads="1" noChangeShapeType="1" noTextEdit="1"/>
+          </p:cNvSpPr>
+          <p:nvPr>
+            <p:extLst>
+              <p:ext uri="{386F3935-93C4-4BCD-93E2-E3B085C9AB24}">
+                <p16:designElem xmlns:p16="http://schemas.microsoft.com/office/powerpoint/2015/main" val="1"/>
+              </p:ext>
+            </p:extLst>
+          </p:nvPr>
+        </p:nvSpPr>
+        <p:spPr>
+          <a:xfrm flipH="1">
+            <a:off x="664541" y="636678"/>
+            <a:ext cx="3415770" cy="3601835"/>
+          </a:xfrm>
+          <a:prstGeom prst="round1Rect">
+            <a:avLst>
+              <a:gd name="adj" fmla="val 9975"/>
+            </a:avLst>
+          </a:prstGeom>
+          <a:solidFill>
+            <a:srgbClr val="FFFFFF"/>
+          </a:solidFill>
+          <a:ln w="19050" cap="sq">
+            <a:solidFill>
+              <a:schemeClr val="tx2">
+                <a:lumMod val="60000"/>
+                <a:lumOff val="40000"/>
+                <a:alpha val="60000"/>
+              </a:schemeClr>
+            </a:solidFill>
+            <a:miter lim="800000"/>
+          </a:ln>
+          <a:effectLst>
+            <a:outerShdw blurRad="88900" dist="38100" dir="5400000" algn="t" rotWithShape="0">
+              <a:prstClr val="black">
+                <a:alpha val="40000"/>
+              </a:prstClr>
+            </a:outerShdw>
+          </a:effectLst>
+        </p:spPr>
+        <p:style>
+          <a:lnRef idx="2">
+            <a:schemeClr val="accent1">
+              <a:shade val="50000"/>
+            </a:schemeClr>
+          </a:lnRef>
+          <a:fillRef idx="1">
+            <a:schemeClr val="accent1"/>
+          </a:fillRef>
+          <a:effectRef idx="0">
+            <a:schemeClr val="accent1"/>
+          </a:effectRef>
+          <a:fontRef idx="minor">
+            <a:schemeClr val="lt1"/>
+          </a:fontRef>
+        </p:style>
+        <p:txBody>
+          <a:bodyPr rtlCol="0" anchor="ctr"/>
+          <a:lstStyle/>
+          <a:p>
+            <a:pPr algn="ctr"/>
+            <a:endParaRPr lang="en-US"/>
+          </a:p>
+        </p:txBody>
+      </p:sp>
+      <p:pic>
+        <p:nvPicPr>
+          <p:cNvPr id="6" name="Picture 5" descr="Logo, company name&#10;&#10;Description automatically generated">
+            <a:extLst>
+              <a:ext uri="{FF2B5EF4-FFF2-40B4-BE49-F238E27FC236}">
+                <a16:creationId xmlns:a16="http://schemas.microsoft.com/office/drawing/2014/main" id="{23D65B2B-01B8-2348-B9BC-BFB4160CAA27}"/>
+              </a:ext>
+            </a:extLst>
+          </p:cNvPr>
+          <p:cNvPicPr>
+            <a:picLocks noChangeAspect="1"/>
+          </p:cNvPicPr>
+          <p:nvPr/>
+        </p:nvPicPr>
+        <p:blipFill>
+          <a:blip r:embed="rId3"/>
+          <a:stretch>
+            <a:fillRect/>
+          </a:stretch>
+        </p:blipFill>
+        <p:spPr>
+          <a:xfrm>
+            <a:off x="985717" y="1484233"/>
+            <a:ext cx="2773419" cy="1906725"/>
+          </a:xfrm>
+          <a:prstGeom prst="rect">
+            <a:avLst/>
+          </a:prstGeom>
+        </p:spPr>
+      </p:pic>
+      <p:sp>
+        <p:nvSpPr>
+          <p:cNvPr id="21" name="Round Diagonal Corner Rectangle 18">
+            <a:extLst>
+              <a:ext uri="{FF2B5EF4-FFF2-40B4-BE49-F238E27FC236}">
+                <a16:creationId xmlns:a16="http://schemas.microsoft.com/office/drawing/2014/main" id="{DAC8B1B5-358F-4498-A98B-80EE307C26AA}"/>
               </a:ext>
               <a:ext uri="{C183D7F6-B498-43B3-948B-1728B52AA6E4}">
                 <adec:decorative xmlns:adec="http://schemas.microsoft.com/office/drawing/2017/decorative" val="1"/>
@@ -12475,12 +12589,12 @@
         </p:nvSpPr>
         <p:spPr>
           <a:xfrm>
-            <a:off x="666974" y="639965"/>
-            <a:ext cx="10879991" cy="3598548"/>
+            <a:off x="4406909" y="639965"/>
+            <a:ext cx="3415769" cy="3598548"/>
           </a:xfrm>
           <a:prstGeom prst="round2DiagRect">
             <a:avLst>
-              <a:gd name="adj1" fmla="val 9529"/>
+              <a:gd name="adj1" fmla="val 0"/>
               <a:gd name="adj2" fmla="val 0"/>
             </a:avLst>
           </a:prstGeom>
@@ -12545,21 +12659,105 @@
           <p:nvPr/>
         </p:nvPicPr>
         <p:blipFill>
-          <a:blip r:embed="rId3"/>
+          <a:blip r:embed="rId4"/>
           <a:stretch>
             <a:fillRect/>
           </a:stretch>
         </p:blipFill>
         <p:spPr>
           <a:xfrm>
-            <a:off x="973635" y="1116736"/>
-            <a:ext cx="5051471" cy="2645006"/>
+            <a:off x="4728084" y="1713143"/>
+            <a:ext cx="2773419" cy="1452193"/>
           </a:xfrm>
           <a:prstGeom prst="rect">
             <a:avLst/>
           </a:prstGeom>
         </p:spPr>
       </p:pic>
+      <p:sp>
+        <p:nvSpPr>
+          <p:cNvPr id="23" name="Round Single Corner Rectangle 22">
+            <a:extLst>
+              <a:ext uri="{FF2B5EF4-FFF2-40B4-BE49-F238E27FC236}">
+                <a16:creationId xmlns:a16="http://schemas.microsoft.com/office/drawing/2014/main" id="{AE9AA0E3-147E-4905-B268-5A9FFE34A4A5}"/>
+              </a:ext>
+              <a:ext uri="{C183D7F6-B498-43B3-948B-1728B52AA6E4}">
+                <adec:decorative xmlns:adec="http://schemas.microsoft.com/office/drawing/2017/decorative" val="1"/>
+              </a:ext>
+            </a:extLst>
+          </p:cNvPr>
+          <p:cNvSpPr>
+            <a:spLocks noGrp="1" noRot="1" noChangeAspect="1" noMove="1" noResize="1" noEditPoints="1" noAdjustHandles="1" noChangeArrowheads="1" noChangeShapeType="1" noTextEdit="1"/>
+          </p:cNvSpPr>
+          <p:nvPr>
+            <p:extLst>
+              <p:ext uri="{386F3935-93C4-4BCD-93E2-E3B085C9AB24}">
+                <p16:designElem xmlns:p16="http://schemas.microsoft.com/office/powerpoint/2015/main" val="1"/>
+              </p:ext>
+            </p:extLst>
+          </p:nvPr>
+        </p:nvSpPr>
+        <p:spPr>
+          <a:xfrm flipV="1">
+            <a:off x="8146844" y="644263"/>
+            <a:ext cx="3415770" cy="3601835"/>
+          </a:xfrm>
+          <a:prstGeom prst="round1Rect">
+            <a:avLst>
+              <a:gd name="adj" fmla="val 9975"/>
+            </a:avLst>
+          </a:prstGeom>
+          <a:solidFill>
+            <a:srgbClr val="FFFFFF"/>
+          </a:solidFill>
+          <a:ln w="19050" cap="sq">
+            <a:solidFill>
+              <a:schemeClr val="tx2">
+                <a:lumMod val="60000"/>
+                <a:lumOff val="40000"/>
+                <a:alpha val="60000"/>
+              </a:schemeClr>
+            </a:solidFill>
+            <a:miter lim="800000"/>
+          </a:ln>
+          <a:effectLst>
+            <a:outerShdw blurRad="88900" dist="38100" dir="5400000" algn="t" rotWithShape="0">
+              <a:prstClr val="black">
+                <a:alpha val="40000"/>
+              </a:prstClr>
+            </a:outerShdw>
+          </a:effectLst>
+        </p:spPr>
+        <p:style>
+          <a:lnRef idx="2">
+            <a:schemeClr val="accent1">
+              <a:shade val="50000"/>
+            </a:schemeClr>
+          </a:lnRef>
+          <a:fillRef idx="1">
+            <a:schemeClr val="accent1"/>
+          </a:fillRef>
+          <a:effectRef idx="0">
+            <a:schemeClr val="accent1"/>
+          </a:effectRef>
+          <a:fontRef idx="minor">
+            <a:schemeClr val="lt1"/>
+          </a:fontRef>
+        </p:style>
+        <p:txBody>
+          <a:bodyPr rot="0" spcFirstLastPara="0" vertOverflow="overflow" horzOverflow="overflow" vert="horz" wrap="square" lIns="91440" tIns="45720" rIns="91440" bIns="45720" numCol="1" spcCol="0" rtlCol="0" fromWordArt="0" anchor="ctr" anchorCtr="0" forceAA="0" compatLnSpc="1">
+            <a:prstTxWarp prst="textNoShape">
+              <a:avLst/>
+            </a:prstTxWarp>
+            <a:noAutofit/>
+          </a:bodyPr>
+          <a:lstStyle/>
+          <a:p>
+            <a:pPr algn="ctr"/>
+            <a:endParaRPr lang="en-US"/>
+          </a:p>
+        </p:txBody>
+      </p:sp>
       <p:pic>
         <p:nvPicPr>
           <p:cNvPr id="5" name="Picture 4" descr="Logo, company name&#10;&#10;Description automatically generated">
@@ -12575,15 +12773,15 @@
           <p:nvPr/>
         </p:nvPicPr>
         <p:blipFill>
-          <a:blip r:embed="rId4"/>
+          <a:blip r:embed="rId5"/>
           <a:stretch>
             <a:fillRect/>
           </a:stretch>
         </p:blipFill>
         <p:spPr>
           <a:xfrm>
-            <a:off x="6188832" y="1390417"/>
-            <a:ext cx="5051472" cy="2097645"/>
+            <a:off x="8468020" y="1869343"/>
+            <a:ext cx="2773419" cy="1151674"/>
           </a:xfrm>
           <a:prstGeom prst="rect">
             <a:avLst/>
@@ -12786,22 +12984,26 @@
           <a:lstStyle/>
           <a:p>
             <a:r>
+              <a:rPr lang="en-US" dirty="0">
+                <a:hlinkClick r:id="rId2"/>
+              </a:rPr>
+              <a:t>https://airflow.apache.org/docs/apache-airflow/stable/start/docker.html</a:t>
+            </a:r>
+            <a:endParaRPr lang="en-US" dirty="0"/>
+          </a:p>
+          <a:p>
+            <a:r>
               <a:rPr lang="en-US" dirty="0"/>
-              <a:t>https://</a:t>
+              <a:t>Install apache-airflow python library from </a:t>
             </a:r>
             <a:r>
               <a:rPr lang="en-US" dirty="0" err="1"/>
-              <a:t>airflow.apache.org</a:t>
+              <a:t>pypi</a:t>
             </a:r>
             <a:r>
               <a:rPr lang="en-US" dirty="0"/>
-              <a:t>/docs/apache-airflow/stable/start/</a:t>
+              <a:t> &amp; read documentation</a:t>
             </a:r>
-            <a:r>
-              <a:rPr lang="en-US" dirty="0" err="1"/>
-              <a:t>docker.html</a:t>
-            </a:r>
-            <a:endParaRPr lang="en-US" dirty="0"/>
           </a:p>
         </p:txBody>
       </p:sp>
